--- a/tour_han/T맵.pptx
+++ b/tour_han/T맵.pptx
@@ -13,10 +13,13 @@
     <p:sldId id="264" r:id="rId7"/>
     <p:sldId id="263" r:id="rId8"/>
     <p:sldId id="262" r:id="rId9"/>
-    <p:sldId id="258" r:id="rId10"/>
-    <p:sldId id="259" r:id="rId11"/>
-    <p:sldId id="260" r:id="rId12"/>
-    <p:sldId id="261" r:id="rId13"/>
+    <p:sldId id="268" r:id="rId10"/>
+    <p:sldId id="269" r:id="rId11"/>
+    <p:sldId id="258" r:id="rId12"/>
+    <p:sldId id="259" r:id="rId13"/>
+    <p:sldId id="260" r:id="rId14"/>
+    <p:sldId id="261" r:id="rId15"/>
+    <p:sldId id="270" r:id="rId16"/>
   </p:sldIdLst>
   <p:sldSz cx="9144000" cy="6858000" type="screen4x3"/>
   <p:notesSz cx="6858000" cy="9144000"/>
@@ -3182,39 +3185,10 @@
           <a:chExt cx="0" cy="0"/>
         </a:xfrm>
       </p:grpSpPr>
-      <p:sp>
-        <p:nvSpPr>
-          <p:cNvPr id="2" name="직사각형 1"/>
-          <p:cNvSpPr/>
-          <p:nvPr/>
-        </p:nvSpPr>
-        <p:spPr>
-          <a:xfrm>
-            <a:off x="4018002" y="3244334"/>
-            <a:ext cx="1107996" cy="369332"/>
-          </a:xfrm>
-          <a:prstGeom prst="rect">
-            <a:avLst/>
-          </a:prstGeom>
-        </p:spPr>
-        <p:txBody>
-          <a:bodyPr wrap="none">
-            <a:spAutoFit/>
-          </a:bodyPr>
-          <a:lstStyle/>
-          <a:p>
-            <a:r>
-              <a:rPr lang="ko-KR" altLang="en-US" dirty="0"/>
-              <a:t>기획배경</a:t>
-            </a:r>
-            <a:endParaRPr lang="en-US" altLang="ko-KR" dirty="0"/>
-          </a:p>
-        </p:txBody>
-      </p:sp>
     </p:spTree>
     <p:extLst>
       <p:ext uri="{BB962C8B-B14F-4D97-AF65-F5344CB8AC3E}">
-        <p14:creationId xmlns:p14="http://schemas.microsoft.com/office/powerpoint/2010/main" val="3691006800"/>
+        <p14:creationId xmlns:p14="http://schemas.microsoft.com/office/powerpoint/2010/main" val="72493369"/>
       </p:ext>
     </p:extLst>
   </p:cSld>
@@ -3249,8 +3223,8 @@
         </p:nvSpPr>
         <p:spPr>
           <a:xfrm>
-            <a:off x="4250437" y="3244334"/>
-            <a:ext cx="643125" cy="369332"/>
+            <a:off x="4133418" y="3244334"/>
+            <a:ext cx="877163" cy="369332"/>
           </a:xfrm>
           <a:prstGeom prst="rect">
             <a:avLst/>
@@ -3263,8 +3237,8 @@
           <a:lstStyle/>
           <a:p>
             <a:r>
-              <a:rPr lang="en-US" altLang="ko-KR" dirty="0" err="1"/>
-              <a:t>Ulux</a:t>
+              <a:rPr lang="ko-KR" altLang="en-US" dirty="0" err="1"/>
+              <a:t>팀소개</a:t>
             </a:r>
             <a:endParaRPr lang="en-US" altLang="ko-KR" dirty="0"/>
           </a:p>
@@ -3273,7 +3247,7 @@
     </p:spTree>
     <p:extLst>
       <p:ext uri="{BB962C8B-B14F-4D97-AF65-F5344CB8AC3E}">
-        <p14:creationId xmlns:p14="http://schemas.microsoft.com/office/powerpoint/2010/main" val="4034932047"/>
+        <p14:creationId xmlns:p14="http://schemas.microsoft.com/office/powerpoint/2010/main" val="486712983"/>
       </p:ext>
     </p:extLst>
   </p:cSld>
@@ -3308,6 +3282,124 @@
         </p:nvSpPr>
         <p:spPr>
           <a:xfrm>
+            <a:off x="4018002" y="3244334"/>
+            <a:ext cx="1107996" cy="369332"/>
+          </a:xfrm>
+          <a:prstGeom prst="rect">
+            <a:avLst/>
+          </a:prstGeom>
+        </p:spPr>
+        <p:txBody>
+          <a:bodyPr wrap="none">
+            <a:spAutoFit/>
+          </a:bodyPr>
+          <a:lstStyle/>
+          <a:p>
+            <a:r>
+              <a:rPr lang="ko-KR" altLang="en-US" dirty="0"/>
+              <a:t>기획배경</a:t>
+            </a:r>
+            <a:endParaRPr lang="en-US" altLang="ko-KR" dirty="0"/>
+          </a:p>
+        </p:txBody>
+      </p:sp>
+    </p:spTree>
+    <p:extLst>
+      <p:ext uri="{BB962C8B-B14F-4D97-AF65-F5344CB8AC3E}">
+        <p14:creationId xmlns:p14="http://schemas.microsoft.com/office/powerpoint/2010/main" val="3691006800"/>
+      </p:ext>
+    </p:extLst>
+  </p:cSld>
+  <p:clrMapOvr>
+    <a:masterClrMapping/>
+  </p:clrMapOvr>
+</p:sld>
+</file>
+
+<file path=ppt/slides/slide13.xml><?xml version="1.0" encoding="utf-8"?>
+<p:sld xmlns:a="http://schemas.openxmlformats.org/drawingml/2006/main" xmlns:r="http://schemas.openxmlformats.org/officeDocument/2006/relationships" xmlns:p="http://schemas.openxmlformats.org/presentationml/2006/main">
+  <p:cSld>
+    <p:spTree>
+      <p:nvGrpSpPr>
+        <p:cNvPr id="1" name=""/>
+        <p:cNvGrpSpPr/>
+        <p:nvPr/>
+      </p:nvGrpSpPr>
+      <p:grpSpPr>
+        <a:xfrm>
+          <a:off x="0" y="0"/>
+          <a:ext cx="0" cy="0"/>
+          <a:chOff x="0" y="0"/>
+          <a:chExt cx="0" cy="0"/>
+        </a:xfrm>
+      </p:grpSpPr>
+      <p:sp>
+        <p:nvSpPr>
+          <p:cNvPr id="2" name="직사각형 1"/>
+          <p:cNvSpPr/>
+          <p:nvPr/>
+        </p:nvSpPr>
+        <p:spPr>
+          <a:xfrm>
+            <a:off x="4250437" y="3244334"/>
+            <a:ext cx="643125" cy="369332"/>
+          </a:xfrm>
+          <a:prstGeom prst="rect">
+            <a:avLst/>
+          </a:prstGeom>
+        </p:spPr>
+        <p:txBody>
+          <a:bodyPr wrap="none">
+            <a:spAutoFit/>
+          </a:bodyPr>
+          <a:lstStyle/>
+          <a:p>
+            <a:r>
+              <a:rPr lang="en-US" altLang="ko-KR" dirty="0" err="1"/>
+              <a:t>Ulux</a:t>
+            </a:r>
+            <a:endParaRPr lang="en-US" altLang="ko-KR" dirty="0"/>
+          </a:p>
+        </p:txBody>
+      </p:sp>
+    </p:spTree>
+    <p:extLst>
+      <p:ext uri="{BB962C8B-B14F-4D97-AF65-F5344CB8AC3E}">
+        <p14:creationId xmlns:p14="http://schemas.microsoft.com/office/powerpoint/2010/main" val="4034932047"/>
+      </p:ext>
+    </p:extLst>
+  </p:cSld>
+  <p:clrMapOvr>
+    <a:masterClrMapping/>
+  </p:clrMapOvr>
+</p:sld>
+</file>
+
+<file path=ppt/slides/slide14.xml><?xml version="1.0" encoding="utf-8"?>
+<p:sld xmlns:a="http://schemas.openxmlformats.org/drawingml/2006/main" xmlns:r="http://schemas.openxmlformats.org/officeDocument/2006/relationships" xmlns:p="http://schemas.openxmlformats.org/presentationml/2006/main">
+  <p:cSld>
+    <p:spTree>
+      <p:nvGrpSpPr>
+        <p:cNvPr id="1" name=""/>
+        <p:cNvGrpSpPr/>
+        <p:nvPr/>
+      </p:nvGrpSpPr>
+      <p:grpSpPr>
+        <a:xfrm>
+          <a:off x="0" y="0"/>
+          <a:ext cx="0" cy="0"/>
+          <a:chOff x="0" y="0"/>
+          <a:chExt cx="0" cy="0"/>
+        </a:xfrm>
+      </p:grpSpPr>
+      <p:sp>
+        <p:nvSpPr>
+          <p:cNvPr id="2" name="직사각형 1"/>
+          <p:cNvSpPr/>
+          <p:nvPr/>
+        </p:nvSpPr>
+        <p:spPr>
+          <a:xfrm>
             <a:off x="611560" y="251575"/>
             <a:ext cx="646331" cy="369332"/>
           </a:xfrm>
@@ -3367,6 +3459,247 @@
     <p:extLst>
       <p:ext uri="{BB962C8B-B14F-4D97-AF65-F5344CB8AC3E}">
         <p14:creationId xmlns:p14="http://schemas.microsoft.com/office/powerpoint/2010/main" val="4200281375"/>
+      </p:ext>
+    </p:extLst>
+  </p:cSld>
+  <p:clrMapOvr>
+    <a:masterClrMapping/>
+  </p:clrMapOvr>
+</p:sld>
+</file>
+
+<file path=ppt/slides/slide15.xml><?xml version="1.0" encoding="utf-8"?>
+<p:sld xmlns:a="http://schemas.openxmlformats.org/drawingml/2006/main" xmlns:r="http://schemas.openxmlformats.org/officeDocument/2006/relationships" xmlns:p="http://schemas.openxmlformats.org/presentationml/2006/main">
+  <p:cSld>
+    <p:spTree>
+      <p:nvGrpSpPr>
+        <p:cNvPr id="1" name=""/>
+        <p:cNvGrpSpPr/>
+        <p:nvPr/>
+      </p:nvGrpSpPr>
+      <p:grpSpPr>
+        <a:xfrm>
+          <a:off x="0" y="0"/>
+          <a:ext cx="0" cy="0"/>
+          <a:chOff x="0" y="0"/>
+          <a:chExt cx="0" cy="0"/>
+        </a:xfrm>
+      </p:grpSpPr>
+      <p:sp>
+        <p:nvSpPr>
+          <p:cNvPr id="2" name="TextBox 1"/>
+          <p:cNvSpPr txBox="1"/>
+          <p:nvPr/>
+        </p:nvSpPr>
+        <p:spPr>
+          <a:xfrm>
+            <a:off x="3995936" y="548680"/>
+            <a:ext cx="646331" cy="369332"/>
+          </a:xfrm>
+          <a:prstGeom prst="rect">
+            <a:avLst/>
+          </a:prstGeom>
+          <a:noFill/>
+        </p:spPr>
+        <p:txBody>
+          <a:bodyPr wrap="none" rtlCol="0">
+            <a:spAutoFit/>
+          </a:bodyPr>
+          <a:lstStyle/>
+          <a:p>
+            <a:r>
+              <a:rPr lang="ko-KR" altLang="en-US" dirty="0" smtClean="0"/>
+              <a:t>경쟁</a:t>
+            </a:r>
+            <a:endParaRPr lang="ko-KR" altLang="en-US" dirty="0"/>
+          </a:p>
+        </p:txBody>
+      </p:sp>
+      <p:pic>
+        <p:nvPicPr>
+          <p:cNvPr id="3" name="그림 2"/>
+          <p:cNvPicPr>
+            <a:picLocks noChangeAspect="1"/>
+          </p:cNvPicPr>
+          <p:nvPr/>
+        </p:nvPicPr>
+        <p:blipFill>
+          <a:blip r:embed="rId2">
+            <a:extLst>
+              <a:ext uri="{28A0092B-C50C-407E-A947-70E740481C1C}">
+                <a14:useLocalDpi xmlns:a14="http://schemas.microsoft.com/office/drawing/2010/main" val="0"/>
+              </a:ext>
+            </a:extLst>
+          </a:blip>
+          <a:stretch>
+            <a:fillRect/>
+          </a:stretch>
+        </p:blipFill>
+        <p:spPr>
+          <a:xfrm>
+            <a:off x="827584" y="1196752"/>
+            <a:ext cx="1714500" cy="1714500"/>
+          </a:xfrm>
+          <a:prstGeom prst="rect">
+            <a:avLst/>
+          </a:prstGeom>
+        </p:spPr>
+      </p:pic>
+      <p:pic>
+        <p:nvPicPr>
+          <p:cNvPr id="4" name="그림 3"/>
+          <p:cNvPicPr>
+            <a:picLocks noChangeAspect="1"/>
+          </p:cNvPicPr>
+          <p:nvPr/>
+        </p:nvPicPr>
+        <p:blipFill>
+          <a:blip r:embed="rId3" cstate="print">
+            <a:extLst>
+              <a:ext uri="{28A0092B-C50C-407E-A947-70E740481C1C}">
+                <a14:useLocalDpi xmlns:a14="http://schemas.microsoft.com/office/drawing/2010/main" val="0"/>
+              </a:ext>
+            </a:extLst>
+          </a:blip>
+          <a:stretch>
+            <a:fillRect/>
+          </a:stretch>
+        </p:blipFill>
+        <p:spPr>
+          <a:xfrm>
+            <a:off x="2915816" y="1335753"/>
+            <a:ext cx="1631716" cy="1631716"/>
+          </a:xfrm>
+          <a:prstGeom prst="rect">
+            <a:avLst/>
+          </a:prstGeom>
+        </p:spPr>
+      </p:pic>
+      <p:pic>
+        <p:nvPicPr>
+          <p:cNvPr id="5" name="그림 4"/>
+          <p:cNvPicPr>
+            <a:picLocks noChangeAspect="1"/>
+          </p:cNvPicPr>
+          <p:nvPr/>
+        </p:nvPicPr>
+        <p:blipFill>
+          <a:blip r:embed="rId4" cstate="print">
+            <a:extLst>
+              <a:ext uri="{28A0092B-C50C-407E-A947-70E740481C1C}">
+                <a14:useLocalDpi xmlns:a14="http://schemas.microsoft.com/office/drawing/2010/main" val="0"/>
+              </a:ext>
+            </a:extLst>
+          </a:blip>
+          <a:stretch>
+            <a:fillRect/>
+          </a:stretch>
+        </p:blipFill>
+        <p:spPr>
+          <a:xfrm>
+            <a:off x="1384936" y="3597484"/>
+            <a:ext cx="1140718" cy="1140718"/>
+          </a:xfrm>
+          <a:prstGeom prst="rect">
+            <a:avLst/>
+          </a:prstGeom>
+        </p:spPr>
+      </p:pic>
+      <p:pic>
+        <p:nvPicPr>
+          <p:cNvPr id="6" name="그림 5"/>
+          <p:cNvPicPr>
+            <a:picLocks noChangeAspect="1"/>
+          </p:cNvPicPr>
+          <p:nvPr/>
+        </p:nvPicPr>
+        <p:blipFill rotWithShape="1">
+          <a:blip r:embed="rId5" cstate="print">
+            <a:extLst>
+              <a:ext uri="{28A0092B-C50C-407E-A947-70E740481C1C}">
+                <a14:useLocalDpi xmlns:a14="http://schemas.microsoft.com/office/drawing/2010/main" val="0"/>
+              </a:ext>
+            </a:extLst>
+          </a:blip>
+          <a:srcRect l="15666" t="12427" r="9184" b="12505"/>
+          <a:stretch/>
+        </p:blipFill>
+        <p:spPr>
+          <a:xfrm>
+            <a:off x="5364088" y="1412776"/>
+            <a:ext cx="1512168" cy="1477670"/>
+          </a:xfrm>
+          <a:prstGeom prst="rect">
+            <a:avLst/>
+          </a:prstGeom>
+        </p:spPr>
+      </p:pic>
+      <p:pic>
+        <p:nvPicPr>
+          <p:cNvPr id="1026" name="Picture 2"/>
+          <p:cNvPicPr>
+            <a:picLocks noChangeAspect="1" noChangeArrowheads="1"/>
+          </p:cNvPicPr>
+          <p:nvPr/>
+        </p:nvPicPr>
+        <p:blipFill rotWithShape="1">
+          <a:blip r:embed="rId6">
+            <a:extLst>
+              <a:ext uri="{28A0092B-C50C-407E-A947-70E740481C1C}">
+                <a14:useLocalDpi xmlns:a14="http://schemas.microsoft.com/office/drawing/2010/main" val="0"/>
+              </a:ext>
+            </a:extLst>
+          </a:blip>
+          <a:srcRect l="35102" t="26308" r="26226" b="35552"/>
+          <a:stretch/>
+        </p:blipFill>
+        <p:spPr bwMode="auto">
+          <a:xfrm>
+            <a:off x="4788024" y="2915719"/>
+            <a:ext cx="3975930" cy="3136977"/>
+          </a:xfrm>
+          <a:prstGeom prst="rect">
+            <a:avLst/>
+          </a:prstGeom>
+          <a:noFill/>
+          <a:ln>
+            <a:noFill/>
+          </a:ln>
+          <a:effectLst/>
+          <a:extLst>
+            <a:ext uri="{909E8E84-426E-40DD-AFC4-6F175D3DCCD1}">
+              <a14:hiddenFill xmlns:a14="http://schemas.microsoft.com/office/drawing/2010/main">
+                <a:solidFill>
+                  <a:schemeClr val="accent1"/>
+                </a:solidFill>
+              </a14:hiddenFill>
+            </a:ext>
+            <a:ext uri="{91240B29-F687-4F45-9708-019B960494DF}">
+              <a14:hiddenLine xmlns:a14="http://schemas.microsoft.com/office/drawing/2010/main" w="9525">
+                <a:solidFill>
+                  <a:schemeClr val="tx1"/>
+                </a:solidFill>
+                <a:miter lim="800000"/>
+                <a:headEnd/>
+                <a:tailEnd/>
+              </a14:hiddenLine>
+            </a:ext>
+            <a:ext uri="{AF507438-7753-43E0-B8FC-AC1667EBCBE1}">
+              <a14:hiddenEffects xmlns:a14="http://schemas.microsoft.com/office/drawing/2010/main">
+                <a:effectLst>
+                  <a:outerShdw dist="35921" dir="2700000" algn="ctr" rotWithShape="0">
+                    <a:schemeClr val="bg2"/>
+                  </a:outerShdw>
+                </a:effectLst>
+              </a14:hiddenEffects>
+            </a:ext>
+          </a:extLst>
+        </p:spPr>
+      </p:pic>
+    </p:spTree>
+    <p:extLst>
+      <p:ext uri="{BB962C8B-B14F-4D97-AF65-F5344CB8AC3E}">
+        <p14:creationId xmlns:p14="http://schemas.microsoft.com/office/powerpoint/2010/main" val="2734675149"/>
       </p:ext>
     </p:extLst>
   </p:cSld>
@@ -3895,39 +4228,100 @@
           <a:chExt cx="0" cy="0"/>
         </a:xfrm>
       </p:grpSpPr>
-      <p:sp>
-        <p:nvSpPr>
-          <p:cNvPr id="2" name="직사각형 1"/>
-          <p:cNvSpPr/>
+      <p:pic>
+        <p:nvPicPr>
+          <p:cNvPr id="2" name="그림 1"/>
+          <p:cNvPicPr>
+            <a:picLocks noChangeAspect="1"/>
+          </p:cNvPicPr>
           <p:nvPr/>
-        </p:nvSpPr>
+        </p:nvPicPr>
+        <p:blipFill>
+          <a:blip r:embed="rId2">
+            <a:extLst>
+              <a:ext uri="{28A0092B-C50C-407E-A947-70E740481C1C}">
+                <a14:useLocalDpi xmlns:a14="http://schemas.microsoft.com/office/drawing/2010/main" val="0"/>
+              </a:ext>
+            </a:extLst>
+          </a:blip>
+          <a:stretch>
+            <a:fillRect/>
+          </a:stretch>
+        </p:blipFill>
         <p:spPr>
           <a:xfrm>
-            <a:off x="4133418" y="3244334"/>
-            <a:ext cx="877163" cy="369332"/>
+            <a:off x="539552" y="0"/>
+            <a:ext cx="3397670" cy="3928556"/>
           </a:xfrm>
           <a:prstGeom prst="rect">
             <a:avLst/>
           </a:prstGeom>
         </p:spPr>
-        <p:txBody>
-          <a:bodyPr wrap="none">
-            <a:spAutoFit/>
-          </a:bodyPr>
-          <a:lstStyle/>
-          <a:p>
-            <a:r>
-              <a:rPr lang="ko-KR" altLang="en-US" dirty="0" err="1"/>
-              <a:t>팀소개</a:t>
-            </a:r>
-            <a:endParaRPr lang="en-US" altLang="ko-KR" dirty="0"/>
-          </a:p>
-        </p:txBody>
-      </p:sp>
+      </p:pic>
+      <p:pic>
+        <p:nvPicPr>
+          <p:cNvPr id="3" name="그림 2"/>
+          <p:cNvPicPr>
+            <a:picLocks noChangeAspect="1"/>
+          </p:cNvPicPr>
+          <p:nvPr/>
+        </p:nvPicPr>
+        <p:blipFill>
+          <a:blip r:embed="rId3">
+            <a:extLst>
+              <a:ext uri="{28A0092B-C50C-407E-A947-70E740481C1C}">
+                <a14:useLocalDpi xmlns:a14="http://schemas.microsoft.com/office/drawing/2010/main" val="0"/>
+              </a:ext>
+            </a:extLst>
+          </a:blip>
+          <a:stretch>
+            <a:fillRect/>
+          </a:stretch>
+        </p:blipFill>
+        <p:spPr>
+          <a:xfrm>
+            <a:off x="3455214" y="2852936"/>
+            <a:ext cx="3397670" cy="3928556"/>
+          </a:xfrm>
+          <a:prstGeom prst="rect">
+            <a:avLst/>
+          </a:prstGeom>
+        </p:spPr>
+      </p:pic>
+      <p:pic>
+        <p:nvPicPr>
+          <p:cNvPr id="4" name="그림 3"/>
+          <p:cNvPicPr>
+            <a:picLocks noChangeAspect="1"/>
+          </p:cNvPicPr>
+          <p:nvPr/>
+        </p:nvPicPr>
+        <p:blipFill>
+          <a:blip r:embed="rId4">
+            <a:extLst>
+              <a:ext uri="{28A0092B-C50C-407E-A947-70E740481C1C}">
+                <a14:useLocalDpi xmlns:a14="http://schemas.microsoft.com/office/drawing/2010/main" val="0"/>
+              </a:ext>
+            </a:extLst>
+          </a:blip>
+          <a:stretch>
+            <a:fillRect/>
+          </a:stretch>
+        </p:blipFill>
+        <p:spPr>
+          <a:xfrm>
+            <a:off x="5004049" y="150000"/>
+            <a:ext cx="3397670" cy="3928556"/>
+          </a:xfrm>
+          <a:prstGeom prst="rect">
+            <a:avLst/>
+          </a:prstGeom>
+        </p:spPr>
+      </p:pic>
     </p:spTree>
     <p:extLst>
       <p:ext uri="{BB962C8B-B14F-4D97-AF65-F5344CB8AC3E}">
-        <p14:creationId xmlns:p14="http://schemas.microsoft.com/office/powerpoint/2010/main" val="486712983"/>
+        <p14:creationId xmlns:p14="http://schemas.microsoft.com/office/powerpoint/2010/main" val="2188207493"/>
       </p:ext>
     </p:extLst>
   </p:cSld>
